--- a/Sports.pptx
+++ b/Sports.pptx
@@ -5,16 +5,17 @@
     <p:sldMasterId id="2147483648" r:id="rId1"/>
   </p:sldMasterIdLst>
   <p:notesMasterIdLst>
-    <p:notesMasterId r:id="rId6"/>
+    <p:notesMasterId r:id="rId7"/>
   </p:notesMasterIdLst>
   <p:handoutMasterIdLst>
-    <p:handoutMasterId r:id="rId7"/>
+    <p:handoutMasterId r:id="rId8"/>
   </p:handoutMasterIdLst>
   <p:sldIdLst>
     <p:sldId id="256" r:id="rId2"/>
     <p:sldId id="257" r:id="rId3"/>
     <p:sldId id="258" r:id="rId4"/>
     <p:sldId id="259" r:id="rId5"/>
+    <p:sldId id="260" r:id="rId6"/>
   </p:sldIdLst>
   <p:sldSz cx="12192000" cy="6858000"/>
   <p:notesSz cx="6858000" cy="9144000"/>
@@ -113,6 +114,11 @@
       </a:defRPr>
     </a:lvl9pPr>
   </p:defaultTextStyle>
+  <p:extLst>
+    <p:ext uri="{EFAFB233-063F-42B5-8137-9DF3F51BA10A}">
+      <p15:sldGuideLst xmlns:p15="http://schemas.microsoft.com/office/powerpoint/2012/main"/>
+    </p:ext>
+  </p:extLst>
 </p:presentation>
 </file>
 
@@ -198,7 +204,7 @@
           <a:p>
             <a:fld id="{7A5240C1-ACC8-477C-983D-42888A4D72F9}" type="datetimeFigureOut">
               <a:rPr lang="en-US" smtClean="0"/>
-              <a:t>3/5/2018</a:t>
+              <a:t>3/6/2018</a:t>
             </a:fld>
             <a:endParaRPr lang="en-US"/>
           </a:p>
@@ -363,7 +369,7 @@
           <a:p>
             <a:fld id="{9086325B-CBC8-467D-9432-EAC7B8DB0BBE}" type="datetimeFigureOut">
               <a:rPr lang="en-US" smtClean="0"/>
-              <a:t>3/5/2018</a:t>
+              <a:t>3/6/2018</a:t>
             </a:fld>
             <a:endParaRPr lang="en-US"/>
           </a:p>
@@ -1026,7 +1032,7 @@
           <a:p>
             <a:fld id="{ECAFBED4-5CC8-4AE5-BB35-AB355791C501}" type="datetimeFigureOut">
               <a:rPr lang="en-US" smtClean="0"/>
-              <a:t>3/5/2018</a:t>
+              <a:t>3/6/2018</a:t>
             </a:fld>
             <a:endParaRPr lang="en-US"/>
           </a:p>
@@ -1196,7 +1202,7 @@
           <a:p>
             <a:fld id="{ECAFBED4-5CC8-4AE5-BB35-AB355791C501}" type="datetimeFigureOut">
               <a:rPr lang="en-US" smtClean="0"/>
-              <a:t>3/5/2018</a:t>
+              <a:t>3/6/2018</a:t>
             </a:fld>
             <a:endParaRPr lang="en-US"/>
           </a:p>
@@ -1376,7 +1382,7 @@
           <a:p>
             <a:fld id="{ECAFBED4-5CC8-4AE5-BB35-AB355791C501}" type="datetimeFigureOut">
               <a:rPr lang="en-US" smtClean="0"/>
-              <a:t>3/5/2018</a:t>
+              <a:t>3/6/2018</a:t>
             </a:fld>
             <a:endParaRPr lang="en-US"/>
           </a:p>
@@ -1546,7 +1552,7 @@
           <a:p>
             <a:fld id="{ECAFBED4-5CC8-4AE5-BB35-AB355791C501}" type="datetimeFigureOut">
               <a:rPr lang="en-US" smtClean="0"/>
-              <a:t>3/5/2018</a:t>
+              <a:t>3/6/2018</a:t>
             </a:fld>
             <a:endParaRPr lang="en-US"/>
           </a:p>
@@ -1792,7 +1798,7 @@
           <a:p>
             <a:fld id="{ECAFBED4-5CC8-4AE5-BB35-AB355791C501}" type="datetimeFigureOut">
               <a:rPr lang="en-US" smtClean="0"/>
-              <a:t>3/5/2018</a:t>
+              <a:t>3/6/2018</a:t>
             </a:fld>
             <a:endParaRPr lang="en-US"/>
           </a:p>
@@ -2024,7 +2030,7 @@
           <a:p>
             <a:fld id="{ECAFBED4-5CC8-4AE5-BB35-AB355791C501}" type="datetimeFigureOut">
               <a:rPr lang="en-US" smtClean="0"/>
-              <a:t>3/5/2018</a:t>
+              <a:t>3/6/2018</a:t>
             </a:fld>
             <a:endParaRPr lang="en-US"/>
           </a:p>
@@ -2391,7 +2397,7 @@
           <a:p>
             <a:fld id="{ECAFBED4-5CC8-4AE5-BB35-AB355791C501}" type="datetimeFigureOut">
               <a:rPr lang="en-US" smtClean="0"/>
-              <a:t>3/5/2018</a:t>
+              <a:t>3/6/2018</a:t>
             </a:fld>
             <a:endParaRPr lang="en-US"/>
           </a:p>
@@ -2509,7 +2515,7 @@
           <a:p>
             <a:fld id="{ECAFBED4-5CC8-4AE5-BB35-AB355791C501}" type="datetimeFigureOut">
               <a:rPr lang="en-US" smtClean="0"/>
-              <a:t>3/5/2018</a:t>
+              <a:t>3/6/2018</a:t>
             </a:fld>
             <a:endParaRPr lang="en-US"/>
           </a:p>
@@ -2604,7 +2610,7 @@
           <a:p>
             <a:fld id="{ECAFBED4-5CC8-4AE5-BB35-AB355791C501}" type="datetimeFigureOut">
               <a:rPr lang="en-US" smtClean="0"/>
-              <a:t>3/5/2018</a:t>
+              <a:t>3/6/2018</a:t>
             </a:fld>
             <a:endParaRPr lang="en-US"/>
           </a:p>
@@ -2881,7 +2887,7 @@
           <a:p>
             <a:fld id="{ECAFBED4-5CC8-4AE5-BB35-AB355791C501}" type="datetimeFigureOut">
               <a:rPr lang="en-US" smtClean="0"/>
-              <a:t>3/5/2018</a:t>
+              <a:t>3/6/2018</a:t>
             </a:fld>
             <a:endParaRPr lang="en-US"/>
           </a:p>
@@ -3134,7 +3140,7 @@
           <a:p>
             <a:fld id="{ECAFBED4-5CC8-4AE5-BB35-AB355791C501}" type="datetimeFigureOut">
               <a:rPr lang="en-US" smtClean="0"/>
-              <a:t>3/5/2018</a:t>
+              <a:t>3/6/2018</a:t>
             </a:fld>
             <a:endParaRPr lang="en-US"/>
           </a:p>
@@ -3359,7 +3365,7 @@
           <a:p>
             <a:fld id="{ECAFBED4-5CC8-4AE5-BB35-AB355791C501}" type="datetimeFigureOut">
               <a:rPr lang="en-US" smtClean="0"/>
-              <a:t>3/5/2018</a:t>
+              <a:t>3/6/2018</a:t>
             </a:fld>
             <a:endParaRPr lang="en-US"/>
           </a:p>
@@ -3774,8 +3780,8 @@
         </p:nvSpPr>
         <p:spPr>
           <a:xfrm>
-            <a:off x="4537126" y="3886199"/>
-            <a:ext cx="10147990" cy="1436553"/>
+            <a:off x="4537126" y="3988904"/>
+            <a:ext cx="10147990" cy="1333848"/>
           </a:xfrm>
           <a:prstGeom prst="rect">
             <a:avLst/>
@@ -3784,6 +3790,13 @@
         <p:txBody>
           <a:bodyPr anchor="b">
             <a:noAutofit/>
+            <a:scene3d>
+              <a:camera prst="orthographicFront"/>
+              <a:lightRig rig="threePt" dir="t"/>
+            </a:scene3d>
+            <a:sp3d extrusionH="57150">
+              <a:bevelT h="25400" prst="softRound"/>
+            </a:sp3d>
           </a:bodyPr>
           <a:lstStyle>
             <a:lvl1pPr algn="l" defTabSz="914400" rtl="0" eaLnBrk="1" latinLnBrk="0" hangingPunct="1">
@@ -3812,7 +3825,14 @@
                     <a:lumMod val="50000"/>
                   </a:schemeClr>
                 </a:solidFill>
-                <a:latin typeface="Tele-Marines" panose="00000400000000000000" pitchFamily="2" charset="0"/>
+                <a:effectLst>
+                  <a:outerShdw blurRad="63500" dist="50800" dir="18900000" algn="bl" rotWithShape="0">
+                    <a:srgbClr val="002060">
+                      <a:alpha val="40000"/>
+                    </a:srgbClr>
+                  </a:outerShdw>
+                </a:effectLst>
+                <a:latin typeface="Segoe UI Semibold" panose="020B0702040204020203" pitchFamily="34" charset="0"/>
               </a:rPr>
               <a:t>SPORTS</a:t>
             </a:r>
@@ -3822,7 +3842,14 @@
                   <a:lumMod val="50000"/>
                 </a:schemeClr>
               </a:solidFill>
-              <a:latin typeface="Tele-Marines" panose="00000400000000000000" pitchFamily="2" charset="0"/>
+              <a:effectLst>
+                <a:outerShdw blurRad="63500" dist="50800" dir="18900000" algn="bl" rotWithShape="0">
+                  <a:srgbClr val="002060">
+                    <a:alpha val="40000"/>
+                  </a:srgbClr>
+                </a:outerShdw>
+              </a:effectLst>
+              <a:latin typeface="Segoe UI Semibold" panose="020B0702040204020203" pitchFamily="34" charset="0"/>
             </a:endParaRPr>
           </a:p>
         </p:txBody>
@@ -4291,7 +4318,7 @@
         </p:nvSpPr>
         <p:spPr>
           <a:xfrm>
-            <a:off x="4537126" y="5361147"/>
+            <a:off x="4682900" y="5255131"/>
             <a:ext cx="10153128" cy="144016"/>
           </a:xfrm>
           <a:prstGeom prst="rect">
@@ -4341,7 +4368,7 @@
         </p:nvSpPr>
         <p:spPr>
           <a:xfrm>
-            <a:off x="4557834" y="5454042"/>
+            <a:off x="4603388" y="5356411"/>
             <a:ext cx="10147990" cy="979416"/>
           </a:xfrm>
           <a:prstGeom prst="rect">
@@ -4403,7 +4430,18 @@
                 </a:solidFill>
                 <a:latin typeface="Franklin Gothic Demi Cond" panose="020B0706030402020204" pitchFamily="34" charset="0"/>
               </a:rPr>
-              <a:t> Invaders</a:t>
+              <a:t> </a:t>
+            </a:r>
+            <a:r>
+              <a:rPr lang="en-US" altLang="ja-JP" sz="4800" dirty="0" smtClean="0">
+                <a:solidFill>
+                  <a:schemeClr val="accent1">
+                    <a:lumMod val="50000"/>
+                  </a:schemeClr>
+                </a:solidFill>
+                <a:latin typeface="Franklin Gothic Demi Cond" panose="020B0706030402020204" pitchFamily="34" charset="0"/>
+              </a:rPr>
+              <a:t>Invaders</a:t>
             </a:r>
             <a:endParaRPr lang="en-US" sz="4800" dirty="0">
               <a:solidFill>
@@ -5872,8 +5910,8 @@
         </p:nvSpPr>
         <p:spPr>
           <a:xfrm>
-            <a:off x="220522" y="176463"/>
-            <a:ext cx="4532010" cy="923330"/>
+            <a:off x="316702" y="176463"/>
+            <a:ext cx="4339650" cy="923330"/>
           </a:xfrm>
           <a:prstGeom prst="rect">
             <a:avLst/>
@@ -5902,7 +5940,8 @@
                     </a:srgbClr>
                   </a:outerShdw>
                 </a:effectLst>
-                <a:latin typeface="Major Force" pitchFamily="2" charset="0"/>
+                <a:latin typeface="KaiTi" panose="02010609060101010101" pitchFamily="49" charset="-122"/>
+                <a:ea typeface="KaiTi" panose="02010609060101010101" pitchFamily="49" charset="-122"/>
               </a:rPr>
               <a:t>Team Members</a:t>
             </a:r>
@@ -5920,7 +5959,8 @@
                   </a:srgbClr>
                 </a:outerShdw>
               </a:effectLst>
-              <a:latin typeface="Major Force" pitchFamily="2" charset="0"/>
+              <a:latin typeface="KaiTi" panose="02010609060101010101" pitchFamily="49" charset="-122"/>
+              <a:ea typeface="KaiTi" panose="02010609060101010101" pitchFamily="49" charset="-122"/>
             </a:endParaRPr>
           </a:p>
         </p:txBody>
@@ -6227,7 +6267,7 @@
         </p:nvSpPr>
         <p:spPr>
           <a:xfrm>
-            <a:off x="6934390" y="354071"/>
+            <a:off x="6934390" y="368139"/>
             <a:ext cx="5257610" cy="537027"/>
           </a:xfrm>
           <a:prstGeom prst="rect">
@@ -6581,6 +6621,13 @@
         <p:txBody>
           <a:bodyPr anchor="ctr">
             <a:normAutofit/>
+            <a:scene3d>
+              <a:camera prst="orthographicFront"/>
+              <a:lightRig rig="threePt" dir="t"/>
+            </a:scene3d>
+            <a:sp3d extrusionH="57150">
+              <a:bevelT w="57150" h="38100" prst="artDeco"/>
+            </a:sp3d>
           </a:bodyPr>
           <a:lstStyle>
             <a:lvl1pPr algn="ctr" defTabSz="914400" rtl="0" eaLnBrk="1" latinLnBrk="0" hangingPunct="1">
@@ -6644,7 +6691,7 @@
         </p:nvSpPr>
         <p:spPr>
           <a:xfrm>
-            <a:off x="6934390" y="956411"/>
+            <a:off x="6934390" y="998615"/>
             <a:ext cx="5257610" cy="537027"/>
           </a:xfrm>
           <a:prstGeom prst="rect">
@@ -7676,7 +7723,7 @@
         </p:nvSpPr>
         <p:spPr>
           <a:xfrm>
-            <a:off x="6934390" y="2792628"/>
+            <a:off x="6934390" y="2750424"/>
             <a:ext cx="5257610" cy="537027"/>
           </a:xfrm>
           <a:prstGeom prst="rect">
@@ -8364,7 +8411,7 @@
         </p:nvSpPr>
         <p:spPr>
           <a:xfrm>
-            <a:off x="6934390" y="4024808"/>
+            <a:off x="6934390" y="3982604"/>
             <a:ext cx="5257610" cy="537027"/>
           </a:xfrm>
           <a:prstGeom prst="rect">
@@ -8708,7 +8755,7 @@
         </p:nvSpPr>
         <p:spPr>
           <a:xfrm>
-            <a:off x="6934390" y="4560899"/>
+            <a:off x="6934390" y="4599536"/>
             <a:ext cx="5257610" cy="537027"/>
           </a:xfrm>
           <a:prstGeom prst="rect">
@@ -9052,7 +9099,7 @@
         </p:nvSpPr>
         <p:spPr>
           <a:xfrm>
-            <a:off x="6934390" y="5223169"/>
+            <a:off x="6934390" y="5195033"/>
             <a:ext cx="5257610" cy="537027"/>
           </a:xfrm>
           <a:prstGeom prst="rect">
@@ -13362,7 +13409,7 @@
       </p:grpSpPr>
       <p:sp>
         <p:nvSpPr>
-          <p:cNvPr id="5" name="Title"/>
+          <p:cNvPr id="6" name="Title"/>
           <p:cNvSpPr txBox="1">
             <a:spLocks/>
           </p:cNvSpPr>
@@ -13370,8 +13417,8 @@
         </p:nvSpPr>
         <p:spPr>
           <a:xfrm>
-            <a:off x="0" y="-1"/>
-            <a:ext cx="5678905" cy="1466851"/>
+            <a:off x="166748" y="181076"/>
+            <a:ext cx="3259033" cy="1003780"/>
           </a:xfrm>
           <a:prstGeom prst="rect">
             <a:avLst/>
@@ -13379,7 +13426,14 @@
         </p:spPr>
         <p:txBody>
           <a:bodyPr anchor="ctr">
-            <a:normAutofit/>
+            <a:normAutofit lnSpcReduction="10000"/>
+            <a:scene3d>
+              <a:camera prst="orthographicFront"/>
+              <a:lightRig rig="threePt" dir="t"/>
+            </a:scene3d>
+            <a:sp3d extrusionH="57150">
+              <a:bevelT h="25400" prst="softRound"/>
+            </a:sp3d>
           </a:bodyPr>
           <a:lstStyle>
             <a:lvl1pPr algn="ctr" defTabSz="914400" rtl="0" eaLnBrk="1" latinLnBrk="0" hangingPunct="1">
@@ -13402,20 +13456,257 @@
           </a:lstStyle>
           <a:p>
             <a:r>
-              <a:rPr kumimoji="1" lang="en-US" altLang="ja-JP" b="1" i="1" dirty="0" smtClean="0">
-                <a:solidFill>
-                  <a:schemeClr val="accent2">
+              <a:rPr kumimoji="1" lang="en-US" altLang="ja-JP" sz="8000" b="1" i="1" dirty="0" smtClean="0">
+                <a:solidFill>
+                  <a:schemeClr val="accent5">
                     <a:lumMod val="50000"/>
                   </a:schemeClr>
                 </a:solidFill>
+                <a:effectLst>
+                  <a:outerShdw blurRad="63500" dist="63500" dir="7200000" algn="ctr" rotWithShape="0">
+                    <a:schemeClr val="accent1">
+                      <a:lumMod val="75000"/>
+                      <a:alpha val="48000"/>
+                    </a:schemeClr>
+                  </a:outerShdw>
+                </a:effectLst>
               </a:rPr>
               <a:t>SPORTS</a:t>
             </a:r>
-            <a:endParaRPr kumimoji="1" lang="ja-JP" altLang="en-US" b="1" i="1" dirty="0">
+            <a:endParaRPr kumimoji="1" lang="ja-JP" altLang="en-US" sz="8000" b="1" i="1" dirty="0">
               <a:solidFill>
-                <a:schemeClr val="accent1">
+                <a:schemeClr val="accent5">
                   <a:lumMod val="50000"/>
                 </a:schemeClr>
+              </a:solidFill>
+              <a:effectLst>
+                <a:outerShdw blurRad="63500" dist="63500" dir="7200000" algn="ctr" rotWithShape="0">
+                  <a:schemeClr val="accent1">
+                    <a:lumMod val="75000"/>
+                    <a:alpha val="48000"/>
+                  </a:schemeClr>
+                </a:outerShdw>
+              </a:effectLst>
+            </a:endParaRPr>
+          </a:p>
+        </p:txBody>
+      </p:sp>
+      <p:sp>
+        <p:nvSpPr>
+          <p:cNvPr id="2" name="Rectangle 1"/>
+          <p:cNvSpPr/>
+          <p:nvPr/>
+        </p:nvSpPr>
+        <p:spPr>
+          <a:xfrm>
+            <a:off x="166748" y="1316168"/>
+            <a:ext cx="11229934" cy="769441"/>
+          </a:xfrm>
+          <a:prstGeom prst="rect">
+            <a:avLst/>
+          </a:prstGeom>
+          <a:noFill/>
+        </p:spPr>
+        <p:txBody>
+          <a:bodyPr wrap="none" lIns="91440" tIns="45720" rIns="91440" bIns="45720">
+            <a:spAutoFit/>
+            <a:scene3d>
+              <a:camera prst="orthographicFront"/>
+              <a:lightRig rig="soft" dir="t">
+                <a:rot lat="0" lon="0" rev="15600000"/>
+              </a:lightRig>
+            </a:scene3d>
+            <a:sp3d extrusionH="57150" prstMaterial="softEdge">
+              <a:bevelT w="25400" h="38100"/>
+            </a:sp3d>
+          </a:bodyPr>
+          <a:lstStyle/>
+          <a:p>
+            <a:pPr algn="ctr"/>
+            <a:r>
+              <a:rPr lang="en-US" sz="4400" b="1" dirty="0">
+                <a:ln/>
+                <a:solidFill>
+                  <a:srgbClr val="ED4264"/>
+                </a:solidFill>
+              </a:rPr>
+              <a:t>A</a:t>
+            </a:r>
+            <a:r>
+              <a:rPr lang="en-US" sz="4400" b="1" dirty="0" smtClean="0">
+                <a:ln/>
+                <a:solidFill>
+                  <a:srgbClr val="ED4264"/>
+                </a:solidFill>
+              </a:rPr>
+              <a:t>nything </a:t>
+            </a:r>
+            <a:r>
+              <a:rPr lang="en-US" sz="4400" b="1" dirty="0">
+                <a:ln/>
+                <a:solidFill>
+                  <a:srgbClr val="ED4264"/>
+                </a:solidFill>
+              </a:rPr>
+              <a:t>humans find amusing or </a:t>
+            </a:r>
+            <a:r>
+              <a:rPr lang="en-US" sz="4400" b="1" dirty="0" smtClean="0">
+                <a:ln/>
+                <a:solidFill>
+                  <a:srgbClr val="ED4264"/>
+                </a:solidFill>
+              </a:rPr>
+              <a:t>entertaining.</a:t>
+            </a:r>
+            <a:endParaRPr lang="en-US" sz="4400" b="1" dirty="0">
+              <a:ln/>
+              <a:solidFill>
+                <a:srgbClr val="ED4264"/>
+              </a:solidFill>
+            </a:endParaRPr>
+          </a:p>
+        </p:txBody>
+      </p:sp>
+      <p:cxnSp>
+        <p:nvCxnSpPr>
+          <p:cNvPr id="4" name="Straight Connector 3"/>
+          <p:cNvCxnSpPr/>
+          <p:nvPr/>
+        </p:nvCxnSpPr>
+        <p:spPr>
+          <a:xfrm>
+            <a:off x="296214" y="1133342"/>
+            <a:ext cx="3090930" cy="0"/>
+          </a:xfrm>
+          <a:prstGeom prst="line">
+            <a:avLst/>
+          </a:prstGeom>
+          <a:ln w="63500">
+            <a:solidFill>
+              <a:schemeClr val="accent1"/>
+            </a:solidFill>
+          </a:ln>
+          <a:effectLst>
+            <a:outerShdw blurRad="63500" dist="38100" dir="16200000" rotWithShape="0">
+              <a:schemeClr val="accent2">
+                <a:lumMod val="50000"/>
+                <a:alpha val="40000"/>
+              </a:schemeClr>
+            </a:outerShdw>
+          </a:effectLst>
+          <a:scene3d>
+            <a:camera prst="orthographicFront"/>
+            <a:lightRig rig="threePt" dir="t"/>
+          </a:scene3d>
+          <a:sp3d>
+            <a:bevelT prst="angle"/>
+          </a:sp3d>
+        </p:spPr>
+        <p:style>
+          <a:lnRef idx="1">
+            <a:schemeClr val="accent1"/>
+          </a:lnRef>
+          <a:fillRef idx="0">
+            <a:schemeClr val="accent1"/>
+          </a:fillRef>
+          <a:effectRef idx="0">
+            <a:schemeClr val="accent1"/>
+          </a:effectRef>
+          <a:fontRef idx="minor">
+            <a:schemeClr val="tx1"/>
+          </a:fontRef>
+        </p:style>
+      </p:cxnSp>
+      <p:sp>
+        <p:nvSpPr>
+          <p:cNvPr id="8" name="Rectangle 7"/>
+          <p:cNvSpPr/>
+          <p:nvPr/>
+        </p:nvSpPr>
+        <p:spPr>
+          <a:xfrm>
+            <a:off x="296214" y="2348233"/>
+            <a:ext cx="8380371" cy="769441"/>
+          </a:xfrm>
+          <a:prstGeom prst="rect">
+            <a:avLst/>
+          </a:prstGeom>
+          <a:noFill/>
+        </p:spPr>
+        <p:txBody>
+          <a:bodyPr wrap="none" lIns="91440" tIns="45720" rIns="91440" bIns="45720">
+            <a:spAutoFit/>
+            <a:scene3d>
+              <a:camera prst="orthographicFront"/>
+              <a:lightRig rig="soft" dir="t">
+                <a:rot lat="0" lon="0" rev="15600000"/>
+              </a:lightRig>
+            </a:scene3d>
+            <a:sp3d extrusionH="57150" prstMaterial="softEdge">
+              <a:bevelT w="25400" h="38100"/>
+            </a:sp3d>
+          </a:bodyPr>
+          <a:lstStyle/>
+          <a:p>
+            <a:pPr algn="ctr"/>
+            <a:r>
+              <a:rPr lang="en-US" sz="4400" b="1" dirty="0" smtClean="0">
+                <a:ln/>
+                <a:solidFill>
+                  <a:srgbClr val="ED4264"/>
+                </a:solidFill>
+              </a:rPr>
+              <a:t>Don’t practice until you get it right;</a:t>
+            </a:r>
+          </a:p>
+        </p:txBody>
+      </p:sp>
+      <p:sp>
+        <p:nvSpPr>
+          <p:cNvPr id="9" name="Rectangle 8"/>
+          <p:cNvSpPr/>
+          <p:nvPr/>
+        </p:nvSpPr>
+        <p:spPr>
+          <a:xfrm>
+            <a:off x="1550717" y="3117674"/>
+            <a:ext cx="8461995" cy="769441"/>
+          </a:xfrm>
+          <a:prstGeom prst="rect">
+            <a:avLst/>
+          </a:prstGeom>
+          <a:noFill/>
+        </p:spPr>
+        <p:txBody>
+          <a:bodyPr wrap="none" lIns="91440" tIns="45720" rIns="91440" bIns="45720">
+            <a:spAutoFit/>
+            <a:scene3d>
+              <a:camera prst="orthographicFront"/>
+              <a:lightRig rig="soft" dir="t">
+                <a:rot lat="0" lon="0" rev="15600000"/>
+              </a:lightRig>
+            </a:scene3d>
+            <a:sp3d extrusionH="57150" prstMaterial="softEdge">
+              <a:bevelT w="25400" h="38100"/>
+            </a:sp3d>
+          </a:bodyPr>
+          <a:lstStyle/>
+          <a:p>
+            <a:pPr algn="ctr"/>
+            <a:r>
+              <a:rPr lang="en-US" sz="4400" b="1" dirty="0">
+                <a:ln/>
+                <a:solidFill>
+                  <a:srgbClr val="ED4264"/>
+                </a:solidFill>
+              </a:rPr>
+              <a:t>Practice until you can’t get it wrong</a:t>
+            </a:r>
+            <a:endParaRPr lang="en-US" sz="4400" b="1" dirty="0">
+              <a:ln/>
+              <a:solidFill>
+                <a:srgbClr val="ED4264"/>
               </a:solidFill>
             </a:endParaRPr>
           </a:p>
@@ -13455,7 +13746,7 @@
                             </p:stCondLst>
                             <p:childTnLst>
                               <p:par>
-                                <p:cTn id="5" presetID="2" presetClass="entr" presetSubtype="8" decel="100000" fill="hold" grpId="0" nodeType="withEffect">
+                                <p:cTn id="5" presetID="53" presetClass="entr" presetSubtype="16" fill="hold" grpId="0" nodeType="withEffect">
                                   <p:stCondLst>
                                     <p:cond delay="0"/>
                                   </p:stCondLst>
@@ -13471,7 +13762,139 @@
                                           </p:stCondLst>
                                         </p:cTn>
                                         <p:tgtEl>
-                                          <p:spTgt spid="5"/>
+                                          <p:spTgt spid="6"/>
+                                        </p:tgtEl>
+                                        <p:attrNameLst>
+                                          <p:attrName>style.visibility</p:attrName>
+                                        </p:attrNameLst>
+                                      </p:cBhvr>
+                                      <p:to>
+                                        <p:strVal val="visible"/>
+                                      </p:to>
+                                    </p:set>
+                                    <p:anim calcmode="lin" valueType="num">
+                                      <p:cBhvr>
+                                        <p:cTn id="7" dur="500" fill="hold"/>
+                                        <p:tgtEl>
+                                          <p:spTgt spid="6"/>
+                                        </p:tgtEl>
+                                        <p:attrNameLst>
+                                          <p:attrName>ppt_w</p:attrName>
+                                        </p:attrNameLst>
+                                      </p:cBhvr>
+                                      <p:tavLst>
+                                        <p:tav tm="0">
+                                          <p:val>
+                                            <p:fltVal val="0"/>
+                                          </p:val>
+                                        </p:tav>
+                                        <p:tav tm="100000">
+                                          <p:val>
+                                            <p:strVal val="#ppt_w"/>
+                                          </p:val>
+                                        </p:tav>
+                                      </p:tavLst>
+                                    </p:anim>
+                                    <p:anim calcmode="lin" valueType="num">
+                                      <p:cBhvr>
+                                        <p:cTn id="8" dur="500" fill="hold"/>
+                                        <p:tgtEl>
+                                          <p:spTgt spid="6"/>
+                                        </p:tgtEl>
+                                        <p:attrNameLst>
+                                          <p:attrName>ppt_h</p:attrName>
+                                        </p:attrNameLst>
+                                      </p:cBhvr>
+                                      <p:tavLst>
+                                        <p:tav tm="0">
+                                          <p:val>
+                                            <p:fltVal val="0"/>
+                                          </p:val>
+                                        </p:tav>
+                                        <p:tav tm="100000">
+                                          <p:val>
+                                            <p:strVal val="#ppt_h"/>
+                                          </p:val>
+                                        </p:tav>
+                                      </p:tavLst>
+                                    </p:anim>
+                                    <p:animEffect transition="in" filter="fade">
+                                      <p:cBhvr>
+                                        <p:cTn id="9" dur="500"/>
+                                        <p:tgtEl>
+                                          <p:spTgt spid="6"/>
+                                        </p:tgtEl>
+                                      </p:cBhvr>
+                                    </p:animEffect>
+                                  </p:childTnLst>
+                                </p:cTn>
+                              </p:par>
+                              <p:par>
+                                <p:cTn id="10" presetID="22" presetClass="entr" presetSubtype="8" fill="hold" nodeType="withEffect">
+                                  <p:stCondLst>
+                                    <p:cond delay="0"/>
+                                  </p:stCondLst>
+                                  <p:childTnLst>
+                                    <p:set>
+                                      <p:cBhvr>
+                                        <p:cTn id="11" dur="1" fill="hold">
+                                          <p:stCondLst>
+                                            <p:cond delay="0"/>
+                                          </p:stCondLst>
+                                        </p:cTn>
+                                        <p:tgtEl>
+                                          <p:spTgt spid="4"/>
+                                        </p:tgtEl>
+                                        <p:attrNameLst>
+                                          <p:attrName>style.visibility</p:attrName>
+                                        </p:attrNameLst>
+                                      </p:cBhvr>
+                                      <p:to>
+                                        <p:strVal val="visible"/>
+                                      </p:to>
+                                    </p:set>
+                                    <p:animEffect transition="in" filter="wipe(left)">
+                                      <p:cBhvr>
+                                        <p:cTn id="12" dur="800"/>
+                                        <p:tgtEl>
+                                          <p:spTgt spid="4"/>
+                                        </p:tgtEl>
+                                      </p:cBhvr>
+                                    </p:animEffect>
+                                  </p:childTnLst>
+                                </p:cTn>
+                              </p:par>
+                            </p:childTnLst>
+                          </p:cTn>
+                        </p:par>
+                        <p:par>
+                          <p:cTn id="13" fill="hold">
+                            <p:stCondLst>
+                              <p:cond delay="800"/>
+                            </p:stCondLst>
+                            <p:childTnLst>
+                              <p:par>
+                                <p:cTn id="14" presetID="12" presetClass="entr" presetSubtype="1" fill="hold" grpId="0" nodeType="afterEffect">
+                                  <p:stCondLst>
+                                    <p:cond delay="0"/>
+                                  </p:stCondLst>
+                                  <p:iterate type="wd">
+                                    <p:tmPct val="10000"/>
+                                  </p:iterate>
+                                  <p:childTnLst>
+                                    <p:set>
+                                      <p:cBhvr>
+                                        <p:cTn id="15" dur="1" fill="hold">
+                                          <p:stCondLst>
+                                            <p:cond delay="0"/>
+                                          </p:stCondLst>
+                                        </p:cTn>
+                                        <p:tgtEl>
+                                          <p:spTgt spid="2">
+                                            <p:txEl>
+                                              <p:pRg st="0" end="0"/>
+                                            </p:txEl>
+                                          </p:spTgt>
                                         </p:tgtEl>
                                         <p:attrNameLst>
                                           <p:attrName>style.visibility</p:attrName>
@@ -13483,32 +13906,13 @@
                                     </p:set>
                                     <p:anim calcmode="lin" valueType="num">
                                       <p:cBhvr additive="base">
-                                        <p:cTn id="7" dur="500" fill="hold"/>
+                                        <p:cTn id="16" dur="500"/>
                                         <p:tgtEl>
-                                          <p:spTgt spid="5"/>
-                                        </p:tgtEl>
-                                        <p:attrNameLst>
-                                          <p:attrName>ppt_x</p:attrName>
-                                        </p:attrNameLst>
-                                      </p:cBhvr>
-                                      <p:tavLst>
-                                        <p:tav tm="0">
-                                          <p:val>
-                                            <p:strVal val="0-#ppt_w/2"/>
-                                          </p:val>
-                                        </p:tav>
-                                        <p:tav tm="100000">
-                                          <p:val>
-                                            <p:strVal val="#ppt_x"/>
-                                          </p:val>
-                                        </p:tav>
-                                      </p:tavLst>
-                                    </p:anim>
-                                    <p:anim calcmode="lin" valueType="num">
-                                      <p:cBhvr additive="base">
-                                        <p:cTn id="8" dur="500" fill="hold"/>
-                                        <p:tgtEl>
-                                          <p:spTgt spid="5"/>
+                                          <p:spTgt spid="2">
+                                            <p:txEl>
+                                              <p:pRg st="0" end="0"/>
+                                            </p:txEl>
+                                          </p:spTgt>
                                         </p:tgtEl>
                                         <p:attrNameLst>
                                           <p:attrName>ppt_y</p:attrName>
@@ -13517,7 +13921,7 @@
                                       <p:tavLst>
                                         <p:tav tm="0">
                                           <p:val>
-                                            <p:strVal val="#ppt_y"/>
+                                            <p:strVal val="#ppt_y-#ppt_h*1.125000"/>
                                           </p:val>
                                         </p:tav>
                                         <p:tav tm="100000">
@@ -13527,6 +13931,182 @@
                                         </p:tav>
                                       </p:tavLst>
                                     </p:anim>
+                                    <p:animEffect transition="in" filter="wipe(down)">
+                                      <p:cBhvr>
+                                        <p:cTn id="17" dur="500"/>
+                                        <p:tgtEl>
+                                          <p:spTgt spid="2">
+                                            <p:txEl>
+                                              <p:pRg st="0" end="0"/>
+                                            </p:txEl>
+                                          </p:spTgt>
+                                        </p:tgtEl>
+                                      </p:cBhvr>
+                                    </p:animEffect>
+                                  </p:childTnLst>
+                                </p:cTn>
+                              </p:par>
+                            </p:childTnLst>
+                          </p:cTn>
+                        </p:par>
+                        <p:par>
+                          <p:cTn id="18" fill="hold">
+                            <p:stCondLst>
+                              <p:cond delay="1600"/>
+                            </p:stCondLst>
+                            <p:childTnLst>
+                              <p:par>
+                                <p:cTn id="19" presetID="12" presetClass="entr" presetSubtype="1" fill="hold" grpId="0" nodeType="afterEffect">
+                                  <p:stCondLst>
+                                    <p:cond delay="0"/>
+                                  </p:stCondLst>
+                                  <p:iterate type="wd">
+                                    <p:tmPct val="10000"/>
+                                  </p:iterate>
+                                  <p:childTnLst>
+                                    <p:set>
+                                      <p:cBhvr>
+                                        <p:cTn id="20" dur="1" fill="hold">
+                                          <p:stCondLst>
+                                            <p:cond delay="0"/>
+                                          </p:stCondLst>
+                                        </p:cTn>
+                                        <p:tgtEl>
+                                          <p:spTgt spid="8">
+                                            <p:txEl>
+                                              <p:pRg st="0" end="0"/>
+                                            </p:txEl>
+                                          </p:spTgt>
+                                        </p:tgtEl>
+                                        <p:attrNameLst>
+                                          <p:attrName>style.visibility</p:attrName>
+                                        </p:attrNameLst>
+                                      </p:cBhvr>
+                                      <p:to>
+                                        <p:strVal val="visible"/>
+                                      </p:to>
+                                    </p:set>
+                                    <p:anim calcmode="lin" valueType="num">
+                                      <p:cBhvr additive="base">
+                                        <p:cTn id="21" dur="500"/>
+                                        <p:tgtEl>
+                                          <p:spTgt spid="8">
+                                            <p:txEl>
+                                              <p:pRg st="0" end="0"/>
+                                            </p:txEl>
+                                          </p:spTgt>
+                                        </p:tgtEl>
+                                        <p:attrNameLst>
+                                          <p:attrName>ppt_y</p:attrName>
+                                        </p:attrNameLst>
+                                      </p:cBhvr>
+                                      <p:tavLst>
+                                        <p:tav tm="0">
+                                          <p:val>
+                                            <p:strVal val="#ppt_y-#ppt_h*1.125000"/>
+                                          </p:val>
+                                        </p:tav>
+                                        <p:tav tm="100000">
+                                          <p:val>
+                                            <p:strVal val="#ppt_y"/>
+                                          </p:val>
+                                        </p:tav>
+                                      </p:tavLst>
+                                    </p:anim>
+                                    <p:animEffect transition="in" filter="wipe(down)">
+                                      <p:cBhvr>
+                                        <p:cTn id="22" dur="500"/>
+                                        <p:tgtEl>
+                                          <p:spTgt spid="8">
+                                            <p:txEl>
+                                              <p:pRg st="0" end="0"/>
+                                            </p:txEl>
+                                          </p:spTgt>
+                                        </p:tgtEl>
+                                      </p:cBhvr>
+                                    </p:animEffect>
+                                  </p:childTnLst>
+                                </p:cTn>
+                              </p:par>
+                            </p:childTnLst>
+                          </p:cTn>
+                        </p:par>
+                        <p:par>
+                          <p:cTn id="23" fill="hold">
+                            <p:stCondLst>
+                              <p:cond delay="2450"/>
+                            </p:stCondLst>
+                            <p:childTnLst>
+                              <p:par>
+                                <p:cTn id="24" presetID="12" presetClass="entr" presetSubtype="1" fill="hold" grpId="0" nodeType="afterEffect">
+                                  <p:stCondLst>
+                                    <p:cond delay="0"/>
+                                  </p:stCondLst>
+                                  <p:iterate type="wd">
+                                    <p:tmPct val="10000"/>
+                                  </p:iterate>
+                                  <p:childTnLst>
+                                    <p:set>
+                                      <p:cBhvr>
+                                        <p:cTn id="25" dur="1" fill="hold">
+                                          <p:stCondLst>
+                                            <p:cond delay="0"/>
+                                          </p:stCondLst>
+                                        </p:cTn>
+                                        <p:tgtEl>
+                                          <p:spTgt spid="9">
+                                            <p:txEl>
+                                              <p:pRg st="0" end="0"/>
+                                            </p:txEl>
+                                          </p:spTgt>
+                                        </p:tgtEl>
+                                        <p:attrNameLst>
+                                          <p:attrName>style.visibility</p:attrName>
+                                        </p:attrNameLst>
+                                      </p:cBhvr>
+                                      <p:to>
+                                        <p:strVal val="visible"/>
+                                      </p:to>
+                                    </p:set>
+                                    <p:anim calcmode="lin" valueType="num">
+                                      <p:cBhvr additive="base">
+                                        <p:cTn id="26" dur="500"/>
+                                        <p:tgtEl>
+                                          <p:spTgt spid="9">
+                                            <p:txEl>
+                                              <p:pRg st="0" end="0"/>
+                                            </p:txEl>
+                                          </p:spTgt>
+                                        </p:tgtEl>
+                                        <p:attrNameLst>
+                                          <p:attrName>ppt_y</p:attrName>
+                                        </p:attrNameLst>
+                                      </p:cBhvr>
+                                      <p:tavLst>
+                                        <p:tav tm="0">
+                                          <p:val>
+                                            <p:strVal val="#ppt_y-#ppt_h*1.125000"/>
+                                          </p:val>
+                                        </p:tav>
+                                        <p:tav tm="100000">
+                                          <p:val>
+                                            <p:strVal val="#ppt_y"/>
+                                          </p:val>
+                                        </p:tav>
+                                      </p:tavLst>
+                                    </p:anim>
+                                    <p:animEffect transition="in" filter="wipe(down)">
+                                      <p:cBhvr>
+                                        <p:cTn id="27" dur="500"/>
+                                        <p:tgtEl>
+                                          <p:spTgt spid="9">
+                                            <p:txEl>
+                                              <p:pRg st="0" end="0"/>
+                                            </p:txEl>
+                                          </p:spTgt>
+                                        </p:tgtEl>
+                                      </p:cBhvr>
+                                    </p:animEffect>
                                   </p:childTnLst>
                                 </p:cTn>
                               </p:par>
@@ -13558,8 +14138,48 @@
       </p:par>
     </p:tnLst>
     <p:bldLst>
-      <p:bldP spid="5" grpId="0"/>
+      <p:bldP spid="6" grpId="0"/>
+      <p:bldP spid="2" grpId="0" build="p"/>
+      <p:bldP spid="8" grpId="0" build="p"/>
+      <p:bldP spid="9" grpId="0" build="p"/>
     </p:bldLst>
+  </p:timing>
+</p:sld>
+</file>
+
+<file path=ppt/slides/slide5.xml><?xml version="1.0" encoding="utf-8"?>
+<p:sld xmlns:a="http://schemas.openxmlformats.org/drawingml/2006/main" xmlns:r="http://schemas.openxmlformats.org/officeDocument/2006/relationships" xmlns:p="http://schemas.openxmlformats.org/presentationml/2006/main">
+  <p:cSld>
+    <p:spTree>
+      <p:nvGrpSpPr>
+        <p:cNvPr id="1" name=""/>
+        <p:cNvGrpSpPr/>
+        <p:nvPr/>
+      </p:nvGrpSpPr>
+      <p:grpSpPr>
+        <a:xfrm>
+          <a:off x="0" y="0"/>
+          <a:ext cx="0" cy="0"/>
+          <a:chOff x="0" y="0"/>
+          <a:chExt cx="0" cy="0"/>
+        </a:xfrm>
+      </p:grpSpPr>
+    </p:spTree>
+    <p:extLst>
+      <p:ext uri="{BB962C8B-B14F-4D97-AF65-F5344CB8AC3E}">
+        <p14:creationId xmlns:p14="http://schemas.microsoft.com/office/powerpoint/2010/main" val="3457638779"/>
+      </p:ext>
+    </p:extLst>
+  </p:cSld>
+  <p:clrMapOvr>
+    <a:masterClrMapping/>
+  </p:clrMapOvr>
+  <p:timing>
+    <p:tnLst>
+      <p:par>
+        <p:cTn id="1" dur="indefinite" restart="never" nodeType="tmRoot"/>
+      </p:par>
+    </p:tnLst>
   </p:timing>
 </p:sld>
 </file>
